--- a/期末驗收/A/G04.pptx
+++ b/期末驗收/A/G04.pptx
@@ -5,7 +5,7 @@
     <p:sldMasterId id="2147483648" r:id="rId1"/>
   </p:sldMasterIdLst>
   <p:notesMasterIdLst>
-    <p:notesMasterId r:id="rId17"/>
+    <p:notesMasterId r:id="rId15"/>
   </p:notesMasterIdLst>
   <p:sldIdLst>
     <p:sldId id="256" r:id="rId2"/>
@@ -21,8 +21,6 @@
     <p:sldId id="271" r:id="rId12"/>
     <p:sldId id="266" r:id="rId13"/>
     <p:sldId id="265" r:id="rId14"/>
-    <p:sldId id="264" r:id="rId15"/>
-    <p:sldId id="263" r:id="rId16"/>
   </p:sldIdLst>
   <p:sldSz cx="12192000" cy="6858000"/>
   <p:notesSz cx="6858000" cy="9144000"/>
@@ -4871,166 +4869,6 @@
 </p:sld>
 </file>
 
-<file path=ppt/slides/slide14.xml><?xml version="1.0" encoding="utf-8"?>
-<p:sld xmlns:a="http://schemas.openxmlformats.org/drawingml/2006/main" xmlns:r="http://schemas.openxmlformats.org/officeDocument/2006/relationships" xmlns:p="http://schemas.openxmlformats.org/presentationml/2006/main">
-  <p:cSld>
-    <p:spTree>
-      <p:nvGrpSpPr>
-        <p:cNvPr id="1" name=""/>
-        <p:cNvGrpSpPr/>
-        <p:nvPr/>
-      </p:nvGrpSpPr>
-      <p:grpSpPr>
-        <a:xfrm>
-          <a:off x="0" y="0"/>
-          <a:ext cx="0" cy="0"/>
-          <a:chOff x="0" y="0"/>
-          <a:chExt cx="0" cy="0"/>
-        </a:xfrm>
-      </p:grpSpPr>
-      <p:sp>
-        <p:nvSpPr>
-          <p:cNvPr id="2" name="標題 1">
-            <a:extLst>
-              <a:ext uri="{FF2B5EF4-FFF2-40B4-BE49-F238E27FC236}">
-                <a16:creationId xmlns:a16="http://schemas.microsoft.com/office/drawing/2014/main" id="{DF95C561-4A67-4C79-98B4-1CAAB5D5B0E1}"/>
-              </a:ext>
-            </a:extLst>
-          </p:cNvPr>
-          <p:cNvSpPr>
-            <a:spLocks noGrp="1"/>
-          </p:cNvSpPr>
-          <p:nvPr>
-            <p:ph type="title"/>
-          </p:nvPr>
-        </p:nvSpPr>
-        <p:spPr/>
-        <p:txBody>
-          <a:bodyPr/>
-          <a:lstStyle/>
-          <a:p>
-            <a:endParaRPr lang="zh-TW" altLang="en-US"/>
-          </a:p>
-        </p:txBody>
-      </p:sp>
-      <p:sp>
-        <p:nvSpPr>
-          <p:cNvPr id="3" name="內容版面配置區 2">
-            <a:extLst>
-              <a:ext uri="{FF2B5EF4-FFF2-40B4-BE49-F238E27FC236}">
-                <a16:creationId xmlns:a16="http://schemas.microsoft.com/office/drawing/2014/main" id="{4A564063-8CEB-4351-80BC-46284351CECD}"/>
-              </a:ext>
-            </a:extLst>
-          </p:cNvPr>
-          <p:cNvSpPr>
-            <a:spLocks noGrp="1"/>
-          </p:cNvSpPr>
-          <p:nvPr>
-            <p:ph idx="1"/>
-          </p:nvPr>
-        </p:nvSpPr>
-        <p:spPr/>
-        <p:txBody>
-          <a:bodyPr/>
-          <a:lstStyle/>
-          <a:p>
-            <a:endParaRPr lang="zh-TW" altLang="en-US"/>
-          </a:p>
-        </p:txBody>
-      </p:sp>
-    </p:spTree>
-    <p:extLst>
-      <p:ext uri="{BB962C8B-B14F-4D97-AF65-F5344CB8AC3E}">
-        <p14:creationId xmlns:p14="http://schemas.microsoft.com/office/powerpoint/2010/main" val="2980541535"/>
-      </p:ext>
-    </p:extLst>
-  </p:cSld>
-  <p:clrMapOvr>
-    <a:masterClrMapping/>
-  </p:clrMapOvr>
-</p:sld>
-</file>
-
-<file path=ppt/slides/slide15.xml><?xml version="1.0" encoding="utf-8"?>
-<p:sld xmlns:a="http://schemas.openxmlformats.org/drawingml/2006/main" xmlns:r="http://schemas.openxmlformats.org/officeDocument/2006/relationships" xmlns:p="http://schemas.openxmlformats.org/presentationml/2006/main">
-  <p:cSld>
-    <p:spTree>
-      <p:nvGrpSpPr>
-        <p:cNvPr id="1" name=""/>
-        <p:cNvGrpSpPr/>
-        <p:nvPr/>
-      </p:nvGrpSpPr>
-      <p:grpSpPr>
-        <a:xfrm>
-          <a:off x="0" y="0"/>
-          <a:ext cx="0" cy="0"/>
-          <a:chOff x="0" y="0"/>
-          <a:chExt cx="0" cy="0"/>
-        </a:xfrm>
-      </p:grpSpPr>
-      <p:sp>
-        <p:nvSpPr>
-          <p:cNvPr id="2" name="標題 1">
-            <a:extLst>
-              <a:ext uri="{FF2B5EF4-FFF2-40B4-BE49-F238E27FC236}">
-                <a16:creationId xmlns:a16="http://schemas.microsoft.com/office/drawing/2014/main" id="{A8D64461-89E0-47DA-88C0-C55E24F25DF4}"/>
-              </a:ext>
-            </a:extLst>
-          </p:cNvPr>
-          <p:cNvSpPr>
-            <a:spLocks noGrp="1"/>
-          </p:cNvSpPr>
-          <p:nvPr>
-            <p:ph type="title"/>
-          </p:nvPr>
-        </p:nvSpPr>
-        <p:spPr/>
-        <p:txBody>
-          <a:bodyPr/>
-          <a:lstStyle/>
-          <a:p>
-            <a:endParaRPr lang="zh-TW" altLang="en-US"/>
-          </a:p>
-        </p:txBody>
-      </p:sp>
-      <p:sp>
-        <p:nvSpPr>
-          <p:cNvPr id="3" name="內容版面配置區 2">
-            <a:extLst>
-              <a:ext uri="{FF2B5EF4-FFF2-40B4-BE49-F238E27FC236}">
-                <a16:creationId xmlns:a16="http://schemas.microsoft.com/office/drawing/2014/main" id="{DC5E0647-394D-4188-9E00-A40E76CEDD72}"/>
-              </a:ext>
-            </a:extLst>
-          </p:cNvPr>
-          <p:cNvSpPr>
-            <a:spLocks noGrp="1"/>
-          </p:cNvSpPr>
-          <p:nvPr>
-            <p:ph idx="1"/>
-          </p:nvPr>
-        </p:nvSpPr>
-        <p:spPr/>
-        <p:txBody>
-          <a:bodyPr/>
-          <a:lstStyle/>
-          <a:p>
-            <a:endParaRPr lang="zh-TW" altLang="en-US"/>
-          </a:p>
-        </p:txBody>
-      </p:sp>
-    </p:spTree>
-    <p:extLst>
-      <p:ext uri="{BB962C8B-B14F-4D97-AF65-F5344CB8AC3E}">
-        <p14:creationId xmlns:p14="http://schemas.microsoft.com/office/powerpoint/2010/main" val="1836187274"/>
-      </p:ext>
-    </p:extLst>
-  </p:cSld>
-  <p:clrMapOvr>
-    <a:masterClrMapping/>
-  </p:clrMapOvr>
-</p:sld>
-</file>
-
 <file path=ppt/slides/slide2.xml><?xml version="1.0" encoding="utf-8"?>
 <p:sld xmlns:a="http://schemas.openxmlformats.org/drawingml/2006/main" xmlns:r="http://schemas.openxmlformats.org/officeDocument/2006/relationships" xmlns:p="http://schemas.openxmlformats.org/presentationml/2006/main">
   <p:cSld>
@@ -5242,7 +5080,54 @@
           <a:bodyPr/>
           <a:lstStyle/>
           <a:p>
-            <a:endParaRPr lang="zh-TW" altLang="en-US"/>
+            <a:r>
+              <a:rPr lang="zh-TW" altLang="en-US" dirty="0"/>
+              <a:t>透過</a:t>
+            </a:r>
+            <a:r>
+              <a:rPr lang="en-US" altLang="zh-TW" dirty="0"/>
+              <a:t>POSTMAN</a:t>
+            </a:r>
+            <a:r>
+              <a:rPr lang="zh-TW" altLang="en-US" dirty="0"/>
+              <a:t> 的</a:t>
+            </a:r>
+            <a:r>
+              <a:rPr lang="en-US" altLang="zh-TW" dirty="0"/>
+              <a:t>CRUD</a:t>
+            </a:r>
+          </a:p>
+          <a:p>
+            <a:r>
+              <a:rPr lang="zh-TW" altLang="en-US" dirty="0"/>
+              <a:t>透過</a:t>
+            </a:r>
+            <a:r>
+              <a:rPr lang="en-US" altLang="zh-TW" dirty="0"/>
+              <a:t>WEB</a:t>
+            </a:r>
+            <a:r>
+              <a:rPr lang="zh-TW" altLang="en-US" dirty="0"/>
+              <a:t>的</a:t>
+            </a:r>
+            <a:r>
+              <a:rPr lang="en-US" altLang="zh-TW" dirty="0"/>
+              <a:t>CRUD</a:t>
+            </a:r>
+          </a:p>
+          <a:p>
+            <a:r>
+              <a:rPr lang="zh-TW" altLang="en-US" dirty="0"/>
+              <a:t>資料庫能連上</a:t>
+            </a:r>
+            <a:r>
+              <a:rPr lang="en-US" altLang="zh-TW" dirty="0" err="1"/>
+              <a:t>cleardb</a:t>
+            </a:r>
+            <a:endParaRPr lang="en-US" altLang="zh-TW" dirty="0"/>
+          </a:p>
+          <a:p>
+            <a:endParaRPr lang="en-US" altLang="zh-TW" dirty="0"/>
           </a:p>
         </p:txBody>
       </p:sp>
@@ -5342,7 +5227,321 @@
           <a:bodyPr/>
           <a:lstStyle/>
           <a:p>
-            <a:endParaRPr lang="zh-TW" altLang="en-US"/>
+            <a:pPr marL="0" lvl="0" indent="0" algn="l" rtl="0">
+              <a:lnSpc>
+                <a:spcPct val="115000"/>
+              </a:lnSpc>
+              <a:spcBef>
+                <a:spcPts val="0"/>
+              </a:spcBef>
+              <a:spcAft>
+                <a:spcPts val="0"/>
+              </a:spcAft>
+              <a:buClr>
+                <a:schemeClr val="dk1"/>
+              </a:buClr>
+              <a:buSzPts val="1100"/>
+              <a:buFont typeface="Arial"/>
+              <a:buNone/>
+            </a:pPr>
+            <a:r>
+              <a:rPr lang="en-US" altLang="zh-TW" sz="2800" dirty="0">
+                <a:solidFill>
+                  <a:schemeClr val="dk1"/>
+                </a:solidFill>
+              </a:rPr>
+              <a:t>Cart(</a:t>
+            </a:r>
+            <a:r>
+              <a:rPr lang="en-US" altLang="zh-TW" sz="2800" dirty="0" err="1">
+                <a:solidFill>
+                  <a:schemeClr val="dk1"/>
+                </a:solidFill>
+              </a:rPr>
+              <a:t>pid,pname,cost</a:t>
+            </a:r>
+            <a:r>
+              <a:rPr lang="en-US" altLang="zh-TW" sz="2800" dirty="0">
+                <a:solidFill>
+                  <a:schemeClr val="dk1"/>
+                </a:solidFill>
+              </a:rPr>
+              <a:t>)</a:t>
+            </a:r>
+          </a:p>
+          <a:p>
+            <a:pPr marL="0" lvl="0" indent="0" algn="l" rtl="0">
+              <a:lnSpc>
+                <a:spcPct val="115000"/>
+              </a:lnSpc>
+              <a:spcBef>
+                <a:spcPts val="0"/>
+              </a:spcBef>
+              <a:spcAft>
+                <a:spcPts val="0"/>
+              </a:spcAft>
+              <a:buClr>
+                <a:schemeClr val="dk1"/>
+              </a:buClr>
+              <a:buSzPts val="1100"/>
+              <a:buFont typeface="Arial"/>
+              <a:buNone/>
+            </a:pPr>
+            <a:r>
+              <a:rPr lang="en-US" altLang="zh-TW" sz="2800" dirty="0">
+                <a:solidFill>
+                  <a:schemeClr val="dk1"/>
+                </a:solidFill>
+              </a:rPr>
+              <a:t>Category(</a:t>
+            </a:r>
+            <a:r>
+              <a:rPr lang="en-US" altLang="zh-TW" sz="2800" u="sng" dirty="0" err="1">
+                <a:solidFill>
+                  <a:schemeClr val="dk1"/>
+                </a:solidFill>
+              </a:rPr>
+              <a:t>cId</a:t>
+            </a:r>
+            <a:r>
+              <a:rPr lang="en-US" altLang="zh-TW" sz="2800" dirty="0" err="1">
+                <a:solidFill>
+                  <a:schemeClr val="dk1"/>
+                </a:solidFill>
+              </a:rPr>
+              <a:t>,cname</a:t>
+            </a:r>
+            <a:r>
+              <a:rPr lang="en-US" altLang="zh-TW" sz="2800" dirty="0">
+                <a:solidFill>
+                  <a:schemeClr val="dk1"/>
+                </a:solidFill>
+              </a:rPr>
+              <a:t>)</a:t>
+            </a:r>
+          </a:p>
+          <a:p>
+            <a:pPr marL="0" lvl="0" indent="0" algn="l" rtl="0">
+              <a:lnSpc>
+                <a:spcPct val="115000"/>
+              </a:lnSpc>
+              <a:spcBef>
+                <a:spcPts val="0"/>
+              </a:spcBef>
+              <a:spcAft>
+                <a:spcPts val="0"/>
+              </a:spcAft>
+              <a:buClr>
+                <a:schemeClr val="dk1"/>
+              </a:buClr>
+              <a:buSzPts val="1100"/>
+              <a:buFont typeface="Arial"/>
+              <a:buNone/>
+            </a:pPr>
+            <a:r>
+              <a:rPr lang="en-US" altLang="zh-TW" sz="2800" dirty="0">
+                <a:solidFill>
+                  <a:schemeClr val="dk1"/>
+                </a:solidFill>
+              </a:rPr>
+              <a:t>Member(</a:t>
+            </a:r>
+            <a:r>
+              <a:rPr lang="en-US" altLang="zh-TW" sz="2800" u="sng" dirty="0" err="1">
+                <a:solidFill>
+                  <a:schemeClr val="dk1"/>
+                </a:solidFill>
+              </a:rPr>
+              <a:t>mId</a:t>
+            </a:r>
+            <a:r>
+              <a:rPr lang="en-US" altLang="zh-TW" sz="2800" dirty="0" err="1">
+                <a:solidFill>
+                  <a:schemeClr val="dk1"/>
+                </a:solidFill>
+              </a:rPr>
+              <a:t>,name,email,address,phone</a:t>
+            </a:r>
+            <a:r>
+              <a:rPr lang="en-US" altLang="zh-TW" sz="2800" dirty="0">
+                <a:solidFill>
+                  <a:schemeClr val="dk1"/>
+                </a:solidFill>
+              </a:rPr>
+              <a:t>)</a:t>
+            </a:r>
+          </a:p>
+          <a:p>
+            <a:pPr marL="0" lvl="0" indent="0" algn="l" rtl="0">
+              <a:lnSpc>
+                <a:spcPct val="115000"/>
+              </a:lnSpc>
+              <a:spcBef>
+                <a:spcPts val="0"/>
+              </a:spcBef>
+              <a:spcAft>
+                <a:spcPts val="0"/>
+              </a:spcAft>
+              <a:buClr>
+                <a:schemeClr val="dk1"/>
+              </a:buClr>
+              <a:buSzPts val="1100"/>
+              <a:buFont typeface="Arial"/>
+              <a:buNone/>
+            </a:pPr>
+            <a:r>
+              <a:rPr lang="en-US" altLang="zh-TW" sz="2800" dirty="0">
+                <a:solidFill>
+                  <a:schemeClr val="dk1"/>
+                </a:solidFill>
+              </a:rPr>
+              <a:t>Order(</a:t>
+            </a:r>
+            <a:r>
+              <a:rPr lang="en-US" altLang="zh-TW" sz="2800" u="sng" dirty="0" err="1">
+                <a:solidFill>
+                  <a:schemeClr val="dk1"/>
+                </a:solidFill>
+              </a:rPr>
+              <a:t>tId</a:t>
+            </a:r>
+            <a:r>
+              <a:rPr lang="en-US" altLang="zh-TW" sz="2800" dirty="0" err="1">
+                <a:solidFill>
+                  <a:schemeClr val="dk1"/>
+                </a:solidFill>
+              </a:rPr>
+              <a:t>,pId,mId,time,cost,payment,delievery</a:t>
+            </a:r>
+            <a:r>
+              <a:rPr lang="en-US" altLang="zh-TW" sz="2800" dirty="0">
+                <a:solidFill>
+                  <a:schemeClr val="dk1"/>
+                </a:solidFill>
+              </a:rPr>
+              <a:t>)</a:t>
+            </a:r>
+          </a:p>
+          <a:p>
+            <a:pPr marL="0" lvl="0" indent="0" algn="l" rtl="0">
+              <a:lnSpc>
+                <a:spcPct val="115000"/>
+              </a:lnSpc>
+              <a:spcBef>
+                <a:spcPts val="0"/>
+              </a:spcBef>
+              <a:spcAft>
+                <a:spcPts val="0"/>
+              </a:spcAft>
+              <a:buClr>
+                <a:schemeClr val="dk1"/>
+              </a:buClr>
+              <a:buSzPts val="1100"/>
+              <a:buFont typeface="Arial"/>
+              <a:buNone/>
+            </a:pPr>
+            <a:r>
+              <a:rPr lang="en-US" altLang="zh-TW" sz="2800" dirty="0">
+                <a:solidFill>
+                  <a:schemeClr val="dk1"/>
+                </a:solidFill>
+              </a:rPr>
+              <a:t>Product(</a:t>
+            </a:r>
+            <a:r>
+              <a:rPr lang="en-US" altLang="zh-TW" sz="2800" u="sng" dirty="0" err="1">
+                <a:solidFill>
+                  <a:schemeClr val="dk1"/>
+                </a:solidFill>
+              </a:rPr>
+              <a:t>pId</a:t>
+            </a:r>
+            <a:r>
+              <a:rPr lang="en-US" altLang="zh-TW" sz="2800" dirty="0" err="1">
+                <a:solidFill>
+                  <a:schemeClr val="dk1"/>
+                </a:solidFill>
+              </a:rPr>
+              <a:t>,pname,price,image,profile</a:t>
+            </a:r>
+            <a:r>
+              <a:rPr lang="en-US" altLang="zh-TW" sz="2800" dirty="0">
+                <a:solidFill>
+                  <a:schemeClr val="dk1"/>
+                </a:solidFill>
+              </a:rPr>
+              <a:t>)</a:t>
+            </a:r>
+          </a:p>
+          <a:p>
+            <a:pPr marL="0" lvl="0" indent="0" algn="l" rtl="0">
+              <a:lnSpc>
+                <a:spcPct val="115000"/>
+              </a:lnSpc>
+              <a:spcBef>
+                <a:spcPts val="0"/>
+              </a:spcBef>
+              <a:spcAft>
+                <a:spcPts val="0"/>
+              </a:spcAft>
+              <a:buClr>
+                <a:schemeClr val="dk1"/>
+              </a:buClr>
+              <a:buSzPts val="1100"/>
+              <a:buFont typeface="Arial"/>
+              <a:buNone/>
+            </a:pPr>
+            <a:r>
+              <a:rPr lang="en-US" altLang="zh-TW" sz="2800" dirty="0" err="1">
+                <a:solidFill>
+                  <a:schemeClr val="dk1"/>
+                </a:solidFill>
+              </a:rPr>
+              <a:t>Product_review</a:t>
+            </a:r>
+            <a:r>
+              <a:rPr lang="en-US" altLang="zh-TW" sz="2800" dirty="0">
+                <a:solidFill>
+                  <a:schemeClr val="dk1"/>
+                </a:solidFill>
+              </a:rPr>
+              <a:t>(</a:t>
+            </a:r>
+            <a:r>
+              <a:rPr lang="en-US" altLang="zh-TW" sz="2800" dirty="0" err="1">
+                <a:solidFill>
+                  <a:schemeClr val="dk1"/>
+                </a:solidFill>
+              </a:rPr>
+              <a:t>mId,</a:t>
+            </a:r>
+            <a:r>
+              <a:rPr lang="en-US" altLang="zh-TW" sz="2800" u="sng" dirty="0" err="1">
+                <a:solidFill>
+                  <a:schemeClr val="dk1"/>
+                </a:solidFill>
+              </a:rPr>
+              <a:t>pId</a:t>
+            </a:r>
+            <a:r>
+              <a:rPr lang="en-US" altLang="zh-TW" sz="2800" dirty="0" err="1">
+                <a:solidFill>
+                  <a:schemeClr val="dk1"/>
+                </a:solidFill>
+              </a:rPr>
+              <a:t>,pname,comment,time</a:t>
+            </a:r>
+            <a:r>
+              <a:rPr lang="en-US" altLang="zh-TW" sz="2800" dirty="0">
+                <a:solidFill>
+                  <a:schemeClr val="dk1"/>
+                </a:solidFill>
+              </a:rPr>
+              <a:t>)</a:t>
+            </a:r>
+          </a:p>
+          <a:p>
+            <a:endParaRPr lang="zh-TW" altLang="en-US" dirty="0"/>
           </a:p>
         </p:txBody>
       </p:sp>
@@ -20000,6 +20199,160 @@
           </a:prstGeom>
         </p:spPr>
       </p:pic>
+      <p:sp>
+        <p:nvSpPr>
+          <p:cNvPr id="3" name="矩形 2">
+            <a:extLst>
+              <a:ext uri="{FF2B5EF4-FFF2-40B4-BE49-F238E27FC236}">
+                <a16:creationId xmlns:a16="http://schemas.microsoft.com/office/drawing/2014/main" id="{207B951D-2532-41CA-A0FB-7D5CD35347BB}"/>
+              </a:ext>
+            </a:extLst>
+          </p:cNvPr>
+          <p:cNvSpPr/>
+          <p:nvPr/>
+        </p:nvSpPr>
+        <p:spPr>
+          <a:xfrm>
+            <a:off x="811999" y="5233536"/>
+            <a:ext cx="2968978" cy="369332"/>
+          </a:xfrm>
+          <a:prstGeom prst="rect">
+            <a:avLst/>
+          </a:prstGeom>
+          <a:noFill/>
+        </p:spPr>
+        <p:txBody>
+          <a:bodyPr wrap="square" lIns="91440" tIns="45720" rIns="91440" bIns="45720">
+            <a:spAutoFit/>
+          </a:bodyPr>
+          <a:lstStyle/>
+          <a:p>
+            <a:pPr algn="ctr"/>
+            <a:r>
+              <a:rPr lang="zh-TW" altLang="en-US" dirty="0">
+                <a:ln w="0"/>
+                <a:effectLst>
+                  <a:outerShdw blurRad="38100" dist="19050" dir="2700000" algn="tl" rotWithShape="0">
+                    <a:schemeClr val="dk1">
+                      <a:alpha val="40000"/>
+                    </a:schemeClr>
+                  </a:outerShdw>
+                </a:effectLst>
+              </a:rPr>
+              <a:t>車子種類</a:t>
+            </a:r>
+            <a:endParaRPr lang="zh-TW" altLang="en-US" b="0" cap="none" spc="0" dirty="0">
+              <a:ln w="0"/>
+              <a:solidFill>
+                <a:schemeClr val="tx1"/>
+              </a:solidFill>
+              <a:effectLst>
+                <a:outerShdw blurRad="38100" dist="19050" dir="2700000" algn="tl" rotWithShape="0">
+                  <a:schemeClr val="dk1">
+                    <a:alpha val="40000"/>
+                  </a:schemeClr>
+                </a:outerShdw>
+              </a:effectLst>
+            </a:endParaRPr>
+          </a:p>
+        </p:txBody>
+      </p:sp>
+      <p:sp>
+        <p:nvSpPr>
+          <p:cNvPr id="8" name="矩形 7">
+            <a:extLst>
+              <a:ext uri="{FF2B5EF4-FFF2-40B4-BE49-F238E27FC236}">
+                <a16:creationId xmlns:a16="http://schemas.microsoft.com/office/drawing/2014/main" id="{8439783B-5C43-4DF2-9AB2-CD5FA1DB8E69}"/>
+              </a:ext>
+            </a:extLst>
+          </p:cNvPr>
+          <p:cNvSpPr/>
+          <p:nvPr/>
+        </p:nvSpPr>
+        <p:spPr>
+          <a:xfrm>
+            <a:off x="3910799" y="5266938"/>
+            <a:ext cx="2968978" cy="369332"/>
+          </a:xfrm>
+          <a:prstGeom prst="rect">
+            <a:avLst/>
+          </a:prstGeom>
+          <a:noFill/>
+        </p:spPr>
+        <p:txBody>
+          <a:bodyPr wrap="square" lIns="91440" tIns="45720" rIns="91440" bIns="45720">
+            <a:spAutoFit/>
+          </a:bodyPr>
+          <a:lstStyle/>
+          <a:p>
+            <a:pPr algn="ctr"/>
+            <a:r>
+              <a:rPr lang="zh-TW" altLang="en-US" b="0" cap="none" spc="0" dirty="0">
+                <a:ln w="0"/>
+                <a:solidFill>
+                  <a:schemeClr val="tx1"/>
+                </a:solidFill>
+                <a:effectLst>
+                  <a:outerShdw blurRad="38100" dist="19050" dir="2700000" algn="tl" rotWithShape="0">
+                    <a:schemeClr val="dk1">
+                      <a:alpha val="40000"/>
+                    </a:schemeClr>
+                  </a:outerShdw>
+                </a:effectLst>
+              </a:rPr>
+              <a:t>購物車</a:t>
+            </a:r>
+          </a:p>
+        </p:txBody>
+      </p:sp>
+      <p:sp>
+        <p:nvSpPr>
+          <p:cNvPr id="10" name="矩形 9">
+            <a:extLst>
+              <a:ext uri="{FF2B5EF4-FFF2-40B4-BE49-F238E27FC236}">
+                <a16:creationId xmlns:a16="http://schemas.microsoft.com/office/drawing/2014/main" id="{6967799A-432E-49D8-9FBB-1B4F67D3219E}"/>
+              </a:ext>
+            </a:extLst>
+          </p:cNvPr>
+          <p:cNvSpPr/>
+          <p:nvPr/>
+        </p:nvSpPr>
+        <p:spPr>
+          <a:xfrm>
+            <a:off x="7806795" y="5636270"/>
+            <a:ext cx="2968978" cy="369332"/>
+          </a:xfrm>
+          <a:prstGeom prst="rect">
+            <a:avLst/>
+          </a:prstGeom>
+          <a:noFill/>
+        </p:spPr>
+        <p:txBody>
+          <a:bodyPr wrap="square" lIns="91440" tIns="45720" rIns="91440" bIns="45720">
+            <a:spAutoFit/>
+          </a:bodyPr>
+          <a:lstStyle/>
+          <a:p>
+            <a:pPr algn="ctr"/>
+            <a:r>
+              <a:rPr lang="zh-TW" altLang="en-US" b="0" cap="none" spc="0" dirty="0">
+                <a:ln w="0"/>
+                <a:solidFill>
+                  <a:schemeClr val="tx1"/>
+                </a:solidFill>
+                <a:effectLst>
+                  <a:outerShdw blurRad="38100" dist="19050" dir="2700000" algn="tl" rotWithShape="0">
+                    <a:schemeClr val="dk1">
+                      <a:alpha val="40000"/>
+                    </a:schemeClr>
+                  </a:outerShdw>
+                </a:effectLst>
+              </a:rPr>
+              <a:t>品牌</a:t>
+            </a:r>
+          </a:p>
+        </p:txBody>
+      </p:sp>
     </p:spTree>
     <p:extLst>
       <p:ext uri="{BB962C8B-B14F-4D97-AF65-F5344CB8AC3E}">
@@ -20102,6 +20455,115 @@
           </a:prstGeom>
         </p:spPr>
       </p:pic>
+      <p:sp>
+        <p:nvSpPr>
+          <p:cNvPr id="4" name="矩形 3">
+            <a:extLst>
+              <a:ext uri="{FF2B5EF4-FFF2-40B4-BE49-F238E27FC236}">
+                <a16:creationId xmlns:a16="http://schemas.microsoft.com/office/drawing/2014/main" id="{E045FAB9-E8A8-46BE-B063-C108F0161D13}"/>
+              </a:ext>
+            </a:extLst>
+          </p:cNvPr>
+          <p:cNvSpPr/>
+          <p:nvPr/>
+        </p:nvSpPr>
+        <p:spPr>
+          <a:xfrm>
+            <a:off x="811999" y="5233536"/>
+            <a:ext cx="2968978" cy="369332"/>
+          </a:xfrm>
+          <a:prstGeom prst="rect">
+            <a:avLst/>
+          </a:prstGeom>
+          <a:noFill/>
+        </p:spPr>
+        <p:txBody>
+          <a:bodyPr wrap="square" lIns="91440" tIns="45720" rIns="91440" bIns="45720">
+            <a:spAutoFit/>
+          </a:bodyPr>
+          <a:lstStyle/>
+          <a:p>
+            <a:pPr algn="ctr"/>
+            <a:r>
+              <a:rPr lang="zh-TW" altLang="en-US" b="0" cap="none" spc="0" dirty="0">
+                <a:ln w="0"/>
+                <a:solidFill>
+                  <a:schemeClr val="tx1"/>
+                </a:solidFill>
+                <a:effectLst>
+                  <a:outerShdw blurRad="38100" dist="19050" dir="2700000" algn="tl" rotWithShape="0">
+                    <a:schemeClr val="dk1">
+                      <a:alpha val="40000"/>
+                    </a:schemeClr>
+                  </a:outerShdw>
+                </a:effectLst>
+              </a:rPr>
+              <a:t>會員資訊</a:t>
+            </a:r>
+          </a:p>
+        </p:txBody>
+      </p:sp>
+      <p:sp>
+        <p:nvSpPr>
+          <p:cNvPr id="6" name="矩形 5">
+            <a:extLst>
+              <a:ext uri="{FF2B5EF4-FFF2-40B4-BE49-F238E27FC236}">
+                <a16:creationId xmlns:a16="http://schemas.microsoft.com/office/drawing/2014/main" id="{82A5B115-399A-4753-AF25-FB3B5D562D7F}"/>
+              </a:ext>
+            </a:extLst>
+          </p:cNvPr>
+          <p:cNvSpPr/>
+          <p:nvPr/>
+        </p:nvSpPr>
+        <p:spPr>
+          <a:xfrm>
+            <a:off x="6687866" y="6258319"/>
+            <a:ext cx="2968978" cy="369332"/>
+          </a:xfrm>
+          <a:prstGeom prst="rect">
+            <a:avLst/>
+          </a:prstGeom>
+          <a:noFill/>
+        </p:spPr>
+        <p:txBody>
+          <a:bodyPr wrap="square" lIns="91440" tIns="45720" rIns="91440" bIns="45720">
+            <a:spAutoFit/>
+          </a:bodyPr>
+          <a:lstStyle/>
+          <a:p>
+            <a:pPr algn="ctr"/>
+            <a:r>
+              <a:rPr lang="zh-TW" altLang="en-US" dirty="0">
+                <a:ln w="0"/>
+                <a:effectLst>
+                  <a:outerShdw blurRad="38100" dist="19050" dir="2700000" algn="tl" rotWithShape="0">
+                    <a:schemeClr val="dk1">
+                      <a:alpha val="40000"/>
+                    </a:schemeClr>
+                  </a:outerShdw>
+                </a:effectLst>
+              </a:rPr>
+              <a:t>商品</a:t>
+            </a:r>
+            <a:r>
+              <a:rPr lang="zh-TW" altLang="en-US" b="0" cap="none" spc="0" dirty="0">
+                <a:ln w="0"/>
+                <a:solidFill>
+                  <a:schemeClr val="tx1"/>
+                </a:solidFill>
+                <a:effectLst>
+                  <a:outerShdw blurRad="38100" dist="19050" dir="2700000" algn="tl" rotWithShape="0">
+                    <a:schemeClr val="dk1">
+                      <a:alpha val="40000"/>
+                    </a:schemeClr>
+                  </a:outerShdw>
+                </a:effectLst>
+              </a:rPr>
+              <a:t>資訊</a:t>
+            </a:r>
+          </a:p>
+        </p:txBody>
+      </p:sp>
     </p:spTree>
     <p:extLst>
       <p:ext uri="{BB962C8B-B14F-4D97-AF65-F5344CB8AC3E}">

--- a/期末驗收/A/G04.pptx
+++ b/期末驗收/A/G04.pptx
@@ -5,7 +5,7 @@
     <p:sldMasterId id="2147483648" r:id="rId1"/>
   </p:sldMasterIdLst>
   <p:notesMasterIdLst>
-    <p:notesMasterId r:id="rId15"/>
+    <p:notesMasterId r:id="rId16"/>
   </p:notesMasterIdLst>
   <p:sldIdLst>
     <p:sldId id="256" r:id="rId2"/>
@@ -21,6 +21,7 @@
     <p:sldId id="271" r:id="rId12"/>
     <p:sldId id="266" r:id="rId13"/>
     <p:sldId id="265" r:id="rId14"/>
+    <p:sldId id="272" r:id="rId15"/>
   </p:sldIdLst>
   <p:sldSz cx="12192000" cy="6858000"/>
   <p:notesSz cx="6858000" cy="9144000"/>
@@ -4831,12 +4832,74 @@
           </a:p>
         </p:txBody>
       </p:sp>
+      <p:pic>
+        <p:nvPicPr>
+          <p:cNvPr id="4" name="內容版面配置區 3">
+            <a:extLst>
+              <a:ext uri="{FF2B5EF4-FFF2-40B4-BE49-F238E27FC236}">
+                <a16:creationId xmlns:a16="http://schemas.microsoft.com/office/drawing/2014/main" id="{E34888CA-B3C7-4BFD-A1C4-94FF7B61432E}"/>
+              </a:ext>
+            </a:extLst>
+          </p:cNvPr>
+          <p:cNvPicPr>
+            <a:picLocks noGrp="1"/>
+          </p:cNvPicPr>
+          <p:nvPr>
+            <p:ph idx="1"/>
+          </p:nvPr>
+        </p:nvPicPr>
+        <p:blipFill>
+          <a:blip r:embed="rId2"/>
+          <a:stretch>
+            <a:fillRect/>
+          </a:stretch>
+        </p:blipFill>
+        <p:spPr>
+          <a:xfrm>
+            <a:off x="1340179" y="1825625"/>
+            <a:ext cx="9511642" cy="4351338"/>
+          </a:xfrm>
+          <a:prstGeom prst="rect">
+            <a:avLst/>
+          </a:prstGeom>
+        </p:spPr>
+      </p:pic>
+    </p:spTree>
+    <p:extLst>
+      <p:ext uri="{BB962C8B-B14F-4D97-AF65-F5344CB8AC3E}">
+        <p14:creationId xmlns:p14="http://schemas.microsoft.com/office/powerpoint/2010/main" val="498548594"/>
+      </p:ext>
+    </p:extLst>
+  </p:cSld>
+  <p:clrMapOvr>
+    <a:masterClrMapping/>
+  </p:clrMapOvr>
+</p:sld>
+</file>
+
+<file path=ppt/slides/slide14.xml><?xml version="1.0" encoding="utf-8"?>
+<p:sld xmlns:a="http://schemas.openxmlformats.org/drawingml/2006/main" xmlns:r="http://schemas.openxmlformats.org/officeDocument/2006/relationships" xmlns:p="http://schemas.openxmlformats.org/presentationml/2006/main">
+  <p:cSld>
+    <p:spTree>
+      <p:nvGrpSpPr>
+        <p:cNvPr id="1" name=""/>
+        <p:cNvGrpSpPr/>
+        <p:nvPr/>
+      </p:nvGrpSpPr>
+      <p:grpSpPr>
+        <a:xfrm>
+          <a:off x="0" y="0"/>
+          <a:ext cx="0" cy="0"/>
+          <a:chOff x="0" y="0"/>
+          <a:chExt cx="0" cy="0"/>
+        </a:xfrm>
+      </p:grpSpPr>
       <p:sp>
         <p:nvSpPr>
-          <p:cNvPr id="3" name="內容版面配置區 2">
+          <p:cNvPr id="2" name="標題 1">
             <a:extLst>
               <a:ext uri="{FF2B5EF4-FFF2-40B4-BE49-F238E27FC236}">
-                <a16:creationId xmlns:a16="http://schemas.microsoft.com/office/drawing/2014/main" id="{0DBDB27F-2417-4C2E-B856-D1EAE17D8BB1}"/>
+                <a16:creationId xmlns:a16="http://schemas.microsoft.com/office/drawing/2014/main" id="{28363BEF-D04E-4433-9291-2AC3557805DD}"/>
               </a:ext>
             </a:extLst>
           </p:cNvPr>
@@ -4844,7 +4907,7 @@
             <a:spLocks noGrp="1"/>
           </p:cNvSpPr>
           <p:nvPr>
-            <p:ph idx="1"/>
+            <p:ph type="title"/>
           </p:nvPr>
         </p:nvSpPr>
         <p:spPr/>
@@ -4852,14 +4915,83 @@
           <a:bodyPr/>
           <a:lstStyle/>
           <a:p>
-            <a:endParaRPr lang="zh-TW" altLang="en-US"/>
+            <a:r>
+              <a:rPr lang="en-US" altLang="zh-TW" b="0" i="0" dirty="0">
+                <a:solidFill>
+                  <a:srgbClr val="333333"/>
+                </a:solidFill>
+                <a:effectLst/>
+                <a:latin typeface="Helvetica" panose="020B0604020202020204" pitchFamily="34" charset="0"/>
+              </a:rPr>
+              <a:t>j. </a:t>
+            </a:r>
+            <a:r>
+              <a:rPr lang="en-US" altLang="zh-TW" b="0" i="0" dirty="0" err="1">
+                <a:solidFill>
+                  <a:srgbClr val="333333"/>
+                </a:solidFill>
+                <a:effectLst/>
+                <a:latin typeface="Helvetica" panose="020B0604020202020204" pitchFamily="34" charset="0"/>
+              </a:rPr>
+              <a:t>Strapi</a:t>
+            </a:r>
+            <a:r>
+              <a:rPr lang="en-US" altLang="zh-TW" b="0" i="0" dirty="0">
+                <a:solidFill>
+                  <a:srgbClr val="333333"/>
+                </a:solidFill>
+                <a:effectLst/>
+                <a:latin typeface="Helvetica" panose="020B0604020202020204" pitchFamily="34" charset="0"/>
+              </a:rPr>
+              <a:t> API </a:t>
+            </a:r>
+            <a:r>
+              <a:rPr lang="zh-TW" altLang="en-US" b="0" i="0" dirty="0">
+                <a:solidFill>
+                  <a:srgbClr val="333333"/>
+                </a:solidFill>
+                <a:effectLst/>
+                <a:latin typeface="Helvetica" panose="020B0604020202020204" pitchFamily="34" charset="0"/>
+              </a:rPr>
+              <a:t>實作</a:t>
+            </a:r>
+            <a:endParaRPr lang="zh-TW" altLang="en-US" dirty="0"/>
           </a:p>
         </p:txBody>
       </p:sp>
+      <p:pic>
+        <p:nvPicPr>
+          <p:cNvPr id="5" name="內容版面配置區 4">
+            <a:extLst>
+              <a:ext uri="{FF2B5EF4-FFF2-40B4-BE49-F238E27FC236}">
+                <a16:creationId xmlns:a16="http://schemas.microsoft.com/office/drawing/2014/main" id="{63FE908B-07E4-441F-8D68-0C1382035542}"/>
+              </a:ext>
+            </a:extLst>
+          </p:cNvPr>
+          <p:cNvPicPr>
+            <a:picLocks noGrp="1" noChangeAspect="1"/>
+          </p:cNvPicPr>
+          <p:nvPr>
+            <p:ph idx="1"/>
+          </p:nvPr>
+        </p:nvPicPr>
+        <p:blipFill>
+          <a:blip r:embed="rId2"/>
+          <a:stretch>
+            <a:fillRect/>
+          </a:stretch>
+        </p:blipFill>
+        <p:spPr>
+          <a:xfrm>
+            <a:off x="838200" y="1654768"/>
+            <a:ext cx="8931890" cy="4838107"/>
+          </a:xfrm>
+        </p:spPr>
+      </p:pic>
     </p:spTree>
     <p:extLst>
       <p:ext uri="{BB962C8B-B14F-4D97-AF65-F5344CB8AC3E}">
-        <p14:creationId xmlns:p14="http://schemas.microsoft.com/office/powerpoint/2010/main" val="498548594"/>
+        <p14:creationId xmlns:p14="http://schemas.microsoft.com/office/powerpoint/2010/main" val="3499047322"/>
       </p:ext>
     </p:extLst>
   </p:cSld>

--- a/期末驗收/A/G04.pptx
+++ b/期末驗收/A/G04.pptx
@@ -5246,6 +5246,20 @@
               <a:rPr lang="en-US" altLang="zh-TW" dirty="0"/>
               <a:t>CRUD</a:t>
             </a:r>
+          </a:p>
+          <a:p>
+            <a:r>
+              <a:rPr lang="zh-TW" altLang="en-US" dirty="0"/>
+              <a:t>能瀏覽所有商品，除了可以直接加入購物車，也能進入單一車輛分頁瀏覽車輛資訊</a:t>
+            </a:r>
+            <a:endParaRPr lang="en-US" altLang="zh-TW" dirty="0"/>
+          </a:p>
+          <a:p>
+            <a:r>
+              <a:rPr lang="zh-TW" altLang="en-US"/>
+              <a:t>會員能夠作新增，修改，刪除</a:t>
+            </a:r>
+            <a:endParaRPr lang="en-US" altLang="zh-TW" dirty="0"/>
           </a:p>
           <a:p>
             <a:r>

--- a/期末驗收/A/G04.pptx
+++ b/期末驗收/A/G04.pptx
@@ -210,7 +210,7 @@
           <a:p>
             <a:fld id="{A0A2B2C6-4C0B-4B69-828A-59733E5E39B2}" type="datetimeFigureOut">
               <a:rPr lang="zh-TW" altLang="en-US" smtClean="0"/>
-              <a:t>2021/5/23</a:t>
+              <a:t>2021/5/30</a:t>
             </a:fld>
             <a:endParaRPr lang="zh-TW" altLang="en-US"/>
           </a:p>
@@ -728,7 +728,7 @@
           <a:p>
             <a:fld id="{CCB2AE54-8AEA-4ED4-98B4-BF720C4BF51D}" type="datetimeFigureOut">
               <a:rPr lang="zh-TW" altLang="en-US" smtClean="0"/>
-              <a:t>2021/5/23</a:t>
+              <a:t>2021/5/30</a:t>
             </a:fld>
             <a:endParaRPr lang="zh-TW" altLang="en-US"/>
           </a:p>
@@ -926,7 +926,7 @@
           <a:p>
             <a:fld id="{CCB2AE54-8AEA-4ED4-98B4-BF720C4BF51D}" type="datetimeFigureOut">
               <a:rPr lang="zh-TW" altLang="en-US" smtClean="0"/>
-              <a:t>2021/5/23</a:t>
+              <a:t>2021/5/30</a:t>
             </a:fld>
             <a:endParaRPr lang="zh-TW" altLang="en-US"/>
           </a:p>
@@ -1134,7 +1134,7 @@
           <a:p>
             <a:fld id="{CCB2AE54-8AEA-4ED4-98B4-BF720C4BF51D}" type="datetimeFigureOut">
               <a:rPr lang="zh-TW" altLang="en-US" smtClean="0"/>
-              <a:t>2021/5/23</a:t>
+              <a:t>2021/5/30</a:t>
             </a:fld>
             <a:endParaRPr lang="zh-TW" altLang="en-US"/>
           </a:p>
@@ -1691,7 +1691,7 @@
           <a:p>
             <a:fld id="{CCB2AE54-8AEA-4ED4-98B4-BF720C4BF51D}" type="datetimeFigureOut">
               <a:rPr lang="zh-TW" altLang="en-US" smtClean="0"/>
-              <a:t>2021/5/23</a:t>
+              <a:t>2021/5/30</a:t>
             </a:fld>
             <a:endParaRPr lang="zh-TW" altLang="en-US"/>
           </a:p>
@@ -1966,7 +1966,7 @@
           <a:p>
             <a:fld id="{CCB2AE54-8AEA-4ED4-98B4-BF720C4BF51D}" type="datetimeFigureOut">
               <a:rPr lang="zh-TW" altLang="en-US" smtClean="0"/>
-              <a:t>2021/5/23</a:t>
+              <a:t>2021/5/30</a:t>
             </a:fld>
             <a:endParaRPr lang="zh-TW" altLang="en-US"/>
           </a:p>
@@ -2231,7 +2231,7 @@
           <a:p>
             <a:fld id="{CCB2AE54-8AEA-4ED4-98B4-BF720C4BF51D}" type="datetimeFigureOut">
               <a:rPr lang="zh-TW" altLang="en-US" smtClean="0"/>
-              <a:t>2021/5/23</a:t>
+              <a:t>2021/5/30</a:t>
             </a:fld>
             <a:endParaRPr lang="zh-TW" altLang="en-US"/>
           </a:p>
@@ -2643,7 +2643,7 @@
           <a:p>
             <a:fld id="{CCB2AE54-8AEA-4ED4-98B4-BF720C4BF51D}" type="datetimeFigureOut">
               <a:rPr lang="zh-TW" altLang="en-US" smtClean="0"/>
-              <a:t>2021/5/23</a:t>
+              <a:t>2021/5/30</a:t>
             </a:fld>
             <a:endParaRPr lang="zh-TW" altLang="en-US"/>
           </a:p>
@@ -2784,7 +2784,7 @@
           <a:p>
             <a:fld id="{CCB2AE54-8AEA-4ED4-98B4-BF720C4BF51D}" type="datetimeFigureOut">
               <a:rPr lang="zh-TW" altLang="en-US" smtClean="0"/>
-              <a:t>2021/5/23</a:t>
+              <a:t>2021/5/30</a:t>
             </a:fld>
             <a:endParaRPr lang="zh-TW" altLang="en-US"/>
           </a:p>
@@ -2897,7 +2897,7 @@
           <a:p>
             <a:fld id="{CCB2AE54-8AEA-4ED4-98B4-BF720C4BF51D}" type="datetimeFigureOut">
               <a:rPr lang="zh-TW" altLang="en-US" smtClean="0"/>
-              <a:t>2021/5/23</a:t>
+              <a:t>2021/5/30</a:t>
             </a:fld>
             <a:endParaRPr lang="zh-TW" altLang="en-US"/>
           </a:p>
@@ -3208,7 +3208,7 @@
           <a:p>
             <a:fld id="{CCB2AE54-8AEA-4ED4-98B4-BF720C4BF51D}" type="datetimeFigureOut">
               <a:rPr lang="zh-TW" altLang="en-US" smtClean="0"/>
-              <a:t>2021/5/23</a:t>
+              <a:t>2021/5/30</a:t>
             </a:fld>
             <a:endParaRPr lang="zh-TW" altLang="en-US"/>
           </a:p>
@@ -3496,7 +3496,7 @@
           <a:p>
             <a:fld id="{CCB2AE54-8AEA-4ED4-98B4-BF720C4BF51D}" type="datetimeFigureOut">
               <a:rPr lang="zh-TW" altLang="en-US" smtClean="0"/>
-              <a:t>2021/5/23</a:t>
+              <a:t>2021/5/30</a:t>
             </a:fld>
             <a:endParaRPr lang="zh-TW" altLang="en-US"/>
           </a:p>
@@ -3737,7 +3737,7 @@
           <a:p>
             <a:fld id="{CCB2AE54-8AEA-4ED4-98B4-BF720C4BF51D}" type="datetimeFigureOut">
               <a:rPr lang="zh-TW" altLang="en-US" smtClean="0"/>
-              <a:t>2021/5/23</a:t>
+              <a:t>2021/5/30</a:t>
             </a:fld>
             <a:endParaRPr lang="zh-TW" altLang="en-US"/>
           </a:p>
@@ -5093,15 +5093,62 @@
             <p:ph idx="1"/>
           </p:nvPr>
         </p:nvSpPr>
-        <p:spPr/>
+        <p:spPr>
+          <a:xfrm>
+            <a:off x="838200" y="1825625"/>
+            <a:ext cx="10515600" cy="556331"/>
+          </a:xfrm>
+        </p:spPr>
         <p:txBody>
           <a:bodyPr/>
           <a:lstStyle/>
           <a:p>
-            <a:endParaRPr lang="zh-TW" altLang="en-US"/>
+            <a:r>
+              <a:rPr lang="en-US" altLang="zh-TW" dirty="0">
+                <a:hlinkClick r:id="rId2"/>
+              </a:rPr>
+              <a:t>https://dbdemo0524.herokuapp.com/index.html</a:t>
+            </a:r>
+            <a:endParaRPr lang="zh-TW" altLang="en-US" dirty="0"/>
           </a:p>
         </p:txBody>
       </p:sp>
+      <p:pic>
+        <p:nvPicPr>
+          <p:cNvPr id="5" name="圖片 4">
+            <a:extLst>
+              <a:ext uri="{FF2B5EF4-FFF2-40B4-BE49-F238E27FC236}">
+                <a16:creationId xmlns:a16="http://schemas.microsoft.com/office/drawing/2014/main" id="{96194D51-DD99-424F-9C23-30F307726A9A}"/>
+              </a:ext>
+            </a:extLst>
+          </p:cNvPr>
+          <p:cNvPicPr>
+            <a:picLocks noChangeAspect="1"/>
+          </p:cNvPicPr>
+          <p:nvPr/>
+        </p:nvPicPr>
+        <p:blipFill>
+          <a:blip r:embed="rId3">
+            <a:extLst>
+              <a:ext uri="{28A0092B-C50C-407E-A947-70E740481C1C}">
+                <a14:useLocalDpi xmlns:a14="http://schemas.microsoft.com/office/drawing/2010/main" val="0"/>
+              </a:ext>
+            </a:extLst>
+          </a:blip>
+          <a:stretch>
+            <a:fillRect/>
+          </a:stretch>
+        </p:blipFill>
+        <p:spPr>
+          <a:xfrm>
+            <a:off x="838200" y="2305491"/>
+            <a:ext cx="10903226" cy="5687816"/>
+          </a:xfrm>
+          <a:prstGeom prst="rect">
+            <a:avLst/>
+          </a:prstGeom>
+        </p:spPr>
+      </p:pic>
     </p:spTree>
     <p:extLst>
       <p:ext uri="{BB962C8B-B14F-4D97-AF65-F5344CB8AC3E}">
@@ -5256,7 +5303,7 @@
           </a:p>
           <a:p>
             <a:r>
-              <a:rPr lang="zh-TW" altLang="en-US"/>
+              <a:rPr lang="zh-TW" altLang="en-US" dirty="0"/>
               <a:t>會員能夠作新增，修改，刪除</a:t>
             </a:r>
             <a:endParaRPr lang="en-US" altLang="zh-TW" dirty="0"/>
@@ -5271,6 +5318,20 @@
               <a:t>cleardb</a:t>
             </a:r>
             <a:endParaRPr lang="en-US" altLang="zh-TW" dirty="0"/>
+          </a:p>
+          <a:p>
+            <a:r>
+              <a:rPr lang="en-US" altLang="zh-TW" dirty="0"/>
+              <a:t>Project </a:t>
+            </a:r>
+            <a:r>
+              <a:rPr lang="zh-TW" altLang="en-US" dirty="0"/>
+              <a:t>能夠上</a:t>
+            </a:r>
+            <a:r>
+              <a:rPr lang="en-US" altLang="zh-TW" dirty="0"/>
+              <a:t>Heroku</a:t>
+            </a:r>
           </a:p>
           <a:p>
             <a:endParaRPr lang="en-US" altLang="zh-TW" dirty="0"/>
